--- a/Антивірус «Зроби все сам!».pptx
+++ b/Антивірус «Зроби все сам!».pptx
@@ -7,6 +7,8 @@
   <p:sldIdLst>
     <p:sldId id="256" r:id="rId2"/>
     <p:sldId id="257" r:id="rId3"/>
+    <p:sldId id="258" r:id="rId4"/>
+    <p:sldId id="259" r:id="rId5"/>
   </p:sldIdLst>
   <p:sldSz cx="12192000" cy="6858000"/>
   <p:notesSz cx="6858000" cy="9144000"/>
@@ -5878,6 +5880,299 @@
 </p:sld>
 </file>
 
+<file path=ppt/slides/slide3.xml><?xml version="1.0" encoding="utf-8"?>
+<p:sld xmlns:a="http://schemas.openxmlformats.org/drawingml/2006/main" xmlns:r="http://schemas.openxmlformats.org/officeDocument/2006/relationships" xmlns:p="http://schemas.openxmlformats.org/presentationml/2006/main">
+  <p:cSld>
+    <p:spTree>
+      <p:nvGrpSpPr>
+        <p:cNvPr id="1" name=""/>
+        <p:cNvGrpSpPr/>
+        <p:nvPr/>
+      </p:nvGrpSpPr>
+      <p:grpSpPr>
+        <a:xfrm>
+          <a:off x="0" y="0"/>
+          <a:ext cx="0" cy="0"/>
+          <a:chOff x="0" y="0"/>
+          <a:chExt cx="0" cy="0"/>
+        </a:xfrm>
+      </p:grpSpPr>
+      <p:sp>
+        <p:nvSpPr>
+          <p:cNvPr id="2" name="Заголовок 1">
+            <a:extLst>
+              <a:ext uri="{FF2B5EF4-FFF2-40B4-BE49-F238E27FC236}">
+                <a16:creationId xmlns:a16="http://schemas.microsoft.com/office/drawing/2014/main" id="{A33BF957-3A86-02A5-A89E-A2C464DA0216}"/>
+              </a:ext>
+            </a:extLst>
+          </p:cNvPr>
+          <p:cNvSpPr>
+            <a:spLocks noGrp="1"/>
+          </p:cNvSpPr>
+          <p:nvPr>
+            <p:ph type="title"/>
+          </p:nvPr>
+        </p:nvSpPr>
+        <p:spPr/>
+        <p:txBody>
+          <a:bodyPr/>
+          <a:lstStyle/>
+          <a:p>
+            <a:pPr algn="ctr"/>
+            <a:r>
+              <a:rPr lang="uk-UA" dirty="0"/>
+              <a:t>Тільки сьогодні, тільки зараз</a:t>
+            </a:r>
+          </a:p>
+        </p:txBody>
+      </p:sp>
+      <p:sp>
+        <p:nvSpPr>
+          <p:cNvPr id="3" name="Місце для вмісту 2">
+            <a:extLst>
+              <a:ext uri="{FF2B5EF4-FFF2-40B4-BE49-F238E27FC236}">
+                <a16:creationId xmlns:a16="http://schemas.microsoft.com/office/drawing/2014/main" id="{89F7E80F-0A9B-85C1-6F92-F23EA7362962}"/>
+              </a:ext>
+            </a:extLst>
+          </p:cNvPr>
+          <p:cNvSpPr>
+            <a:spLocks noGrp="1"/>
+          </p:cNvSpPr>
+          <p:nvPr>
+            <p:ph sz="half" idx="1"/>
+          </p:nvPr>
+        </p:nvSpPr>
+        <p:spPr/>
+        <p:txBody>
+          <a:bodyPr/>
+          <a:lstStyle/>
+          <a:p>
+            <a:r>
+              <a:rPr lang="uk-UA" dirty="0" err="1"/>
+              <a:t>Можливіть</a:t>
+            </a:r>
+            <a:r>
+              <a:rPr lang="uk-UA" dirty="0"/>
+              <a:t> (самому) сканувати систему. Можливість (самому випадково) видалити ваш </a:t>
+            </a:r>
+            <a:r>
+              <a:rPr lang="uk-UA" strike="sngStrike" dirty="0"/>
+              <a:t>анти</a:t>
+            </a:r>
+            <a:r>
+              <a:rPr lang="uk-UA" dirty="0"/>
+              <a:t>вірус</a:t>
+            </a:r>
+          </a:p>
+          <a:p>
+            <a:r>
+              <a:rPr lang="uk-UA" dirty="0"/>
+              <a:t>А також можливість Самому </a:t>
+            </a:r>
+            <a:r>
+              <a:rPr lang="uk-UA" strike="sngStrike" dirty="0">
+                <a:effectLst>
+                  <a:glow rad="38100">
+                    <a:schemeClr val="bg1">
+                      <a:lumMod val="50000"/>
+                      <a:lumOff val="50000"/>
+                      <a:alpha val="20000"/>
+                    </a:schemeClr>
+                  </a:glow>
+                  <a:outerShdw blurRad="38100" dist="38100" dir="2700000" algn="tl">
+                    <a:srgbClr val="000000">
+                      <a:alpha val="43137"/>
+                    </a:srgbClr>
+                  </a:outerShdw>
+                </a:effectLst>
+              </a:rPr>
+              <a:t>поламати</a:t>
+            </a:r>
+            <a:r>
+              <a:rPr lang="uk-UA" dirty="0"/>
+              <a:t> починити вашу систему! </a:t>
+            </a:r>
+          </a:p>
+        </p:txBody>
+      </p:sp>
+      <p:sp>
+        <p:nvSpPr>
+          <p:cNvPr id="4" name="Місце для вмісту 3">
+            <a:extLst>
+              <a:ext uri="{FF2B5EF4-FFF2-40B4-BE49-F238E27FC236}">
+                <a16:creationId xmlns:a16="http://schemas.microsoft.com/office/drawing/2014/main" id="{871027EF-AE53-827B-9734-7DC722FCE919}"/>
+              </a:ext>
+            </a:extLst>
+          </p:cNvPr>
+          <p:cNvSpPr>
+            <a:spLocks noGrp="1"/>
+          </p:cNvSpPr>
+          <p:nvPr>
+            <p:ph sz="half" idx="2"/>
+          </p:nvPr>
+        </p:nvSpPr>
+        <p:spPr/>
+        <p:txBody>
+          <a:bodyPr/>
+          <a:lstStyle/>
+          <a:p>
+            <a:pPr marL="0" indent="0">
+              <a:buNone/>
+            </a:pPr>
+            <a:r>
+              <a:rPr lang="uk-UA" dirty="0"/>
+              <a:t>Всього за 13.5 грн можна придбати найновіший, найкращий антивірус «зроби все сам» та вирішити всі ваші комп’ютерні проблеми</a:t>
+            </a:r>
+          </a:p>
+        </p:txBody>
+      </p:sp>
+    </p:spTree>
+    <p:extLst>
+      <p:ext uri="{BB962C8B-B14F-4D97-AF65-F5344CB8AC3E}">
+        <p14:creationId xmlns:p14="http://schemas.microsoft.com/office/powerpoint/2010/main" val="1044132178"/>
+      </p:ext>
+    </p:extLst>
+  </p:cSld>
+  <p:clrMapOvr>
+    <a:masterClrMapping/>
+  </p:clrMapOvr>
+</p:sld>
+</file>
+
+<file path=ppt/slides/slide4.xml><?xml version="1.0" encoding="utf-8"?>
+<p:sld xmlns:a="http://schemas.openxmlformats.org/drawingml/2006/main" xmlns:r="http://schemas.openxmlformats.org/officeDocument/2006/relationships" xmlns:p="http://schemas.openxmlformats.org/presentationml/2006/main">
+  <p:cSld>
+    <p:spTree>
+      <p:nvGrpSpPr>
+        <p:cNvPr id="1" name=""/>
+        <p:cNvGrpSpPr/>
+        <p:nvPr/>
+      </p:nvGrpSpPr>
+      <p:grpSpPr>
+        <a:xfrm>
+          <a:off x="0" y="0"/>
+          <a:ext cx="0" cy="0"/>
+          <a:chOff x="0" y="0"/>
+          <a:chExt cx="0" cy="0"/>
+        </a:xfrm>
+      </p:grpSpPr>
+      <p:sp>
+        <p:nvSpPr>
+          <p:cNvPr id="2" name="Заголовок 1">
+            <a:extLst>
+              <a:ext uri="{FF2B5EF4-FFF2-40B4-BE49-F238E27FC236}">
+                <a16:creationId xmlns:a16="http://schemas.microsoft.com/office/drawing/2014/main" id="{1FD7CA0F-0915-6C06-CD8A-7B4E32A42A92}"/>
+              </a:ext>
+            </a:extLst>
+          </p:cNvPr>
+          <p:cNvSpPr>
+            <a:spLocks noGrp="1"/>
+          </p:cNvSpPr>
+          <p:nvPr>
+            <p:ph type="title"/>
+          </p:nvPr>
+        </p:nvSpPr>
+        <p:spPr/>
+        <p:txBody>
+          <a:bodyPr/>
+          <a:lstStyle/>
+          <a:p>
+            <a:pPr algn="ctr"/>
+            <a:r>
+              <a:rPr lang="uk-UA" dirty="0"/>
+              <a:t>«А чому мені потрібен антивірус»</a:t>
+            </a:r>
+          </a:p>
+        </p:txBody>
+      </p:sp>
+      <p:sp>
+        <p:nvSpPr>
+          <p:cNvPr id="3" name="Місце для вмісту 2">
+            <a:extLst>
+              <a:ext uri="{FF2B5EF4-FFF2-40B4-BE49-F238E27FC236}">
+                <a16:creationId xmlns:a16="http://schemas.microsoft.com/office/drawing/2014/main" id="{1D8E5EE4-14C0-74EF-BB53-8870E76EF4C1}"/>
+              </a:ext>
+            </a:extLst>
+          </p:cNvPr>
+          <p:cNvSpPr>
+            <a:spLocks noGrp="1"/>
+          </p:cNvSpPr>
+          <p:nvPr>
+            <p:ph sz="half" idx="1"/>
+          </p:nvPr>
+        </p:nvSpPr>
+        <p:spPr/>
+        <p:txBody>
+          <a:bodyPr/>
+          <a:lstStyle/>
+          <a:p>
+            <a:pPr marL="0" indent="0">
+              <a:buNone/>
+            </a:pPr>
+            <a:r>
+              <a:rPr lang="uk-UA" dirty="0"/>
+              <a:t>Без надійного </a:t>
+            </a:r>
+            <a:r>
+              <a:rPr lang="uk-UA" dirty="0" err="1"/>
+              <a:t>антивіруса</a:t>
+            </a:r>
+            <a:r>
+              <a:rPr lang="uk-UA" dirty="0"/>
+              <a:t> ви можете бути в зоні ризику Хакерів, Системних проблем, та й </a:t>
+            </a:r>
+            <a:r>
+              <a:rPr lang="uk-UA" dirty="0" err="1"/>
+              <a:t>впринцепі</a:t>
+            </a:r>
+            <a:r>
+              <a:rPr lang="uk-UA" dirty="0"/>
+              <a:t> не бачити бід з комп’ютером</a:t>
+            </a:r>
+          </a:p>
+        </p:txBody>
+      </p:sp>
+      <p:sp>
+        <p:nvSpPr>
+          <p:cNvPr id="4" name="Місце для вмісту 3">
+            <a:extLst>
+              <a:ext uri="{FF2B5EF4-FFF2-40B4-BE49-F238E27FC236}">
+                <a16:creationId xmlns:a16="http://schemas.microsoft.com/office/drawing/2014/main" id="{28A6F12E-9E5C-B669-E759-ED7108660C09}"/>
+              </a:ext>
+            </a:extLst>
+          </p:cNvPr>
+          <p:cNvSpPr>
+            <a:spLocks noGrp="1"/>
+          </p:cNvSpPr>
+          <p:nvPr>
+            <p:ph sz="half" idx="2"/>
+          </p:nvPr>
+        </p:nvSpPr>
+        <p:spPr/>
+        <p:txBody>
+          <a:bodyPr/>
+          <a:lstStyle/>
+          <a:p>
+            <a:r>
+              <a:rPr lang="uk-UA" dirty="0"/>
+              <a:t>А най-надійніша програма, це ви, тому самі й йдіть чинити комп’ютер, але з Нашим антивірусом «Зроби все сам!» Ви це можете зробити з стилем</a:t>
+            </a:r>
+          </a:p>
+        </p:txBody>
+      </p:sp>
+    </p:spTree>
+    <p:extLst>
+      <p:ext uri="{BB962C8B-B14F-4D97-AF65-F5344CB8AC3E}">
+        <p14:creationId xmlns:p14="http://schemas.microsoft.com/office/powerpoint/2010/main" val="3371145571"/>
+      </p:ext>
+    </p:extLst>
+  </p:cSld>
+  <p:clrMapOvr>
+    <a:masterClrMapping/>
+  </p:clrMapOvr>
+</p:sld>
+</file>
+
 <file path=ppt/theme/theme1.xml><?xml version="1.0" encoding="utf-8"?>
 <a:theme xmlns:a="http://schemas.openxmlformats.org/drawingml/2006/main" name="Сітчаста">
   <a:themeElements>
